--- a/4. CSS/4.pptx
+++ b/4. CSS/4.pptx
@@ -15,10 +15,13 @@
     <p:sldId id="262" r:id="rId9"/>
     <p:sldId id="264" r:id="rId10"/>
     <p:sldId id="265" r:id="rId11"/>
-    <p:sldId id="274" r:id="rId12"/>
-    <p:sldId id="276" r:id="rId13"/>
-    <p:sldId id="280" r:id="rId14"/>
-    <p:sldId id="278" r:id="rId15"/>
+    <p:sldId id="282" r:id="rId12"/>
+    <p:sldId id="274" r:id="rId13"/>
+    <p:sldId id="276" r:id="rId14"/>
+    <p:sldId id="280" r:id="rId15"/>
+    <p:sldId id="281" r:id="rId16"/>
+    <p:sldId id="278" r:id="rId17"/>
+    <p:sldId id="283" r:id="rId18"/>
   </p:sldIdLst>
   <p:sldSz cx="12192000" cy="6858000"/>
   <p:notesSz cx="6858000" cy="9144000"/>
@@ -288,7 +291,7 @@
           <a:p>
             <a:fld id="{1160EA64-D806-43AC-9DF2-F8C432F32B4C}" type="datetimeFigureOut">
               <a:rPr lang="en-US" dirty="0"/>
-              <a:t>10/2/2024</a:t>
+              <a:t>10/3/2025</a:t>
             </a:fld>
             <a:endParaRPr lang="en-US" dirty="0"/>
           </a:p>
@@ -454,7 +457,7 @@
           <a:p>
             <a:fld id="{E9F9C37B-1D36-470B-8223-D6C91242EC14}" type="datetimeFigureOut">
               <a:rPr lang="en-US" dirty="0"/>
-              <a:t>10/2/2024</a:t>
+              <a:t>10/3/2025</a:t>
             </a:fld>
             <a:endParaRPr lang="en-US" dirty="0"/>
           </a:p>
@@ -629,7 +632,7 @@
           <a:p>
             <a:fld id="{67C6F52A-A82B-47A2-A83A-8C4C91F2D59F}" type="datetimeFigureOut">
               <a:rPr lang="en-US" dirty="0"/>
-              <a:t>10/2/2024</a:t>
+              <a:t>10/3/2025</a:t>
             </a:fld>
             <a:endParaRPr lang="en-US" dirty="0"/>
           </a:p>
@@ -794,7 +797,7 @@
           <a:p>
             <a:fld id="{F070A7B3-6521-4DCA-87E5-044747A908C1}" type="datetimeFigureOut">
               <a:rPr lang="en-US" dirty="0"/>
-              <a:t>10/2/2024</a:t>
+              <a:t>10/3/2025</a:t>
             </a:fld>
             <a:endParaRPr lang="en-US" dirty="0"/>
           </a:p>
@@ -1058,7 +1061,7 @@
           <a:p>
             <a:fld id="{1160EA64-D806-43AC-9DF2-F8C432F32B4C}" type="datetimeFigureOut">
               <a:rPr lang="en-US" dirty="0"/>
-              <a:t>10/2/2024</a:t>
+              <a:t>10/3/2025</a:t>
             </a:fld>
             <a:endParaRPr lang="en-US" dirty="0"/>
           </a:p>
@@ -1286,7 +1289,7 @@
           <a:p>
             <a:fld id="{AB134690-1557-4C89-A502-4959FE7FAD70}" type="datetimeFigureOut">
               <a:rPr lang="en-US" dirty="0"/>
-              <a:t>10/2/2024</a:t>
+              <a:t>10/3/2025</a:t>
             </a:fld>
             <a:endParaRPr lang="en-US" dirty="0"/>
           </a:p>
@@ -1640,7 +1643,7 @@
           <a:p>
             <a:fld id="{4F7D4976-E339-4826-83B7-FBD03F55ECF8}" type="datetimeFigureOut">
               <a:rPr lang="en-US" dirty="0"/>
-              <a:t>10/2/2024</a:t>
+              <a:t>10/3/2025</a:t>
             </a:fld>
             <a:endParaRPr lang="en-US" dirty="0"/>
           </a:p>
@@ -1776,7 +1779,7 @@
           <a:p>
             <a:fld id="{E1037C31-9E7A-4F99-8774-A0E530DE1A42}" type="datetimeFigureOut">
               <a:rPr lang="en-US" dirty="0"/>
-              <a:t>10/2/2024</a:t>
+              <a:t>10/3/2025</a:t>
             </a:fld>
             <a:endParaRPr lang="en-US" dirty="0"/>
           </a:p>
@@ -1866,7 +1869,7 @@
           <a:p>
             <a:fld id="{C278504F-A551-4DE0-9316-4DCD1D8CC752}" type="datetimeFigureOut">
               <a:rPr lang="en-US" dirty="0"/>
-              <a:t>10/2/2024</a:t>
+              <a:t>10/3/2025</a:t>
             </a:fld>
             <a:endParaRPr lang="en-US" dirty="0"/>
           </a:p>
@@ -2218,7 +2221,7 @@
           <a:p>
             <a:fld id="{D1BE4249-C0D0-4B06-8692-E8BB871AF643}" type="datetimeFigureOut">
               <a:rPr lang="en-US" dirty="0"/>
-              <a:t>10/2/2024</a:t>
+              <a:t>10/3/2025</a:t>
             </a:fld>
             <a:endParaRPr lang="en-US" dirty="0"/>
           </a:p>
@@ -2570,7 +2573,7 @@
           <a:p>
             <a:fld id="{042B0DB6-F5C7-45FB-8CF3-31B45F9C2DAC}" type="datetimeFigureOut">
               <a:rPr lang="en-US" dirty="0"/>
-              <a:t>10/2/2024</a:t>
+              <a:t>10/3/2025</a:t>
             </a:fld>
             <a:endParaRPr lang="en-US" dirty="0"/>
           </a:p>
@@ -2807,7 +2810,7 @@
           <a:p>
             <a:fld id="{1160EA64-D806-43AC-9DF2-F8C432F32B4C}" type="datetimeFigureOut">
               <a:rPr lang="en-US" dirty="0"/>
-              <a:t>10/2/2024</a:t>
+              <a:t>10/3/2025</a:t>
             </a:fld>
             <a:endParaRPr lang="en-US" dirty="0"/>
           </a:p>
@@ -3565,21 +3568,54 @@
           <a:chExt cx="0" cy="0"/>
         </a:xfrm>
       </p:grpSpPr>
+      <p:sp>
+        <p:nvSpPr>
+          <p:cNvPr id="2" name="Title 1">
+            <a:extLst>
+              <a:ext uri="{FF2B5EF4-FFF2-40B4-BE49-F238E27FC236}">
+                <a16:creationId xmlns:a16="http://schemas.microsoft.com/office/drawing/2014/main" id="{E238D19D-6EF5-43CE-986B-3A17BE161E74}"/>
+              </a:ext>
+            </a:extLst>
+          </p:cNvPr>
+          <p:cNvSpPr>
+            <a:spLocks noGrp="1"/>
+          </p:cNvSpPr>
+          <p:nvPr>
+            <p:ph type="title"/>
+          </p:nvPr>
+        </p:nvSpPr>
+        <p:spPr>
+          <a:xfrm>
+            <a:off x="548874" y="185107"/>
+            <a:ext cx="10652526" cy="371739"/>
+          </a:xfrm>
+        </p:spPr>
+        <p:txBody>
+          <a:bodyPr>
+            <a:normAutofit fontScale="90000"/>
+          </a:bodyPr>
+          <a:lstStyle/>
+          <a:p>
+            <a:r>
+              <a:rPr lang="en-US" dirty="0"/>
+              <a:t>@layers</a:t>
+            </a:r>
+          </a:p>
+        </p:txBody>
+      </p:sp>
       <p:pic>
         <p:nvPicPr>
-          <p:cNvPr id="5" name="Content Placeholder 4">
+          <p:cNvPr id="14" name="Picture 13">
             <a:extLst>
               <a:ext uri="{FF2B5EF4-FFF2-40B4-BE49-F238E27FC236}">
-                <a16:creationId xmlns:a16="http://schemas.microsoft.com/office/drawing/2014/main" id="{C1130509-CA5B-451C-A894-3C5207CBA23B}"/>
+                <a16:creationId xmlns:a16="http://schemas.microsoft.com/office/drawing/2014/main" id="{EDE5BF56-8BE2-48A9-94C2-E9F034E86B14}"/>
               </a:ext>
             </a:extLst>
           </p:cNvPr>
           <p:cNvPicPr>
-            <a:picLocks noGrp="1" noChangeAspect="1"/>
+            <a:picLocks noChangeAspect="1"/>
           </p:cNvPicPr>
-          <p:nvPr>
-            <p:ph idx="1"/>
-          </p:nvPr>
+          <p:nvPr/>
         </p:nvPicPr>
         <p:blipFill>
           <a:blip r:embed="rId2"/>
@@ -3589,17 +3625,20 @@
         </p:blipFill>
         <p:spPr>
           <a:xfrm>
-            <a:off x="1961827" y="2713893"/>
-            <a:ext cx="7234927" cy="3101975"/>
-          </a:xfrm>
+            <a:off x="3196947" y="1203177"/>
+            <a:ext cx="5356380" cy="3356994"/>
+          </a:xfrm>
+          <a:prstGeom prst="rect">
+            <a:avLst/>
+          </a:prstGeom>
         </p:spPr>
       </p:pic>
       <p:sp>
         <p:nvSpPr>
-          <p:cNvPr id="7" name="TextBox 6">
+          <p:cNvPr id="16" name="TextBox 15">
             <a:extLst>
               <a:ext uri="{FF2B5EF4-FFF2-40B4-BE49-F238E27FC236}">
-                <a16:creationId xmlns:a16="http://schemas.microsoft.com/office/drawing/2014/main" id="{6BC519D2-E02C-4912-AA98-84E09936D306}"/>
+                <a16:creationId xmlns:a16="http://schemas.microsoft.com/office/drawing/2014/main" id="{D9B9580D-56C9-4296-B112-67CD43792424}"/>
               </a:ext>
             </a:extLst>
           </p:cNvPr>
@@ -3608,8 +3647,8 @@
         </p:nvSpPr>
         <p:spPr>
           <a:xfrm>
-            <a:off x="559776" y="895594"/>
-            <a:ext cx="11072447" cy="1477328"/>
+            <a:off x="474769" y="556846"/>
+            <a:ext cx="10652526" cy="646331"/>
           </a:xfrm>
           <a:prstGeom prst="rect">
             <a:avLst/>
@@ -3626,247 +3665,50 @@
               <a:rPr lang="ru-RU" b="1" dirty="0">
                 <a:effectLst/>
               </a:rPr>
-              <a:t>CSS переменные</a:t>
+              <a:t>@layer</a:t>
             </a:r>
             <a:r>
               <a:rPr lang="ru-RU" dirty="0"/>
-              <a:t> (</a:t>
-            </a:r>
-            <a:r>
-              <a:rPr lang="ru-RU" b="1" dirty="0">
-                <a:effectLst/>
-              </a:rPr>
-              <a:t>пользовательские CSS-свойства</a:t>
-            </a:r>
-            <a:r>
-              <a:rPr lang="ru-RU" dirty="0"/>
-              <a:t>) это сущности, определяемые автором CSS, хранящие конкретные значения, которые можно повторно использовать в документе.</a:t>
-            </a:r>
-          </a:p>
-          <a:p>
-            <a:endParaRPr lang="ru-RU" dirty="0"/>
-          </a:p>
-          <a:p>
-            <a:r>
-              <a:rPr lang="ru-RU" dirty="0"/>
-              <a:t>Они устанавливаются с использованием </a:t>
-            </a:r>
-            <a:r>
-              <a:rPr lang="ru-RU" dirty="0" err="1"/>
-              <a:t>custom</a:t>
-            </a:r>
-            <a:r>
-              <a:rPr lang="ru-RU" dirty="0"/>
-              <a:t> </a:t>
-            </a:r>
-            <a:r>
-              <a:rPr lang="ru-RU" dirty="0" err="1"/>
-              <a:t>property</a:t>
-            </a:r>
-            <a:r>
-              <a:rPr lang="ru-RU" dirty="0"/>
-              <a:t> нотации: например. </a:t>
-            </a:r>
-            <a:r>
-              <a:rPr lang="ru-RU" b="1" i="1" dirty="0">
-                <a:solidFill>
-                  <a:srgbClr val="EB5757"/>
-                </a:solidFill>
-                <a:effectLst/>
-                <a:latin typeface="SFMono-Regular"/>
-              </a:rPr>
-              <a:t>--</a:t>
-            </a:r>
-            <a:r>
-              <a:rPr lang="ru-RU" b="1" i="1" dirty="0" err="1">
-                <a:solidFill>
-                  <a:srgbClr val="EB5757"/>
-                </a:solidFill>
-                <a:effectLst/>
-                <a:latin typeface="SFMono-Regular"/>
-              </a:rPr>
-              <a:t>main-color</a:t>
-            </a:r>
-            <a:r>
-              <a:rPr lang="ru-RU" b="1" i="1" dirty="0">
-                <a:solidFill>
-                  <a:srgbClr val="EB5757"/>
-                </a:solidFill>
-                <a:effectLst/>
-                <a:latin typeface="SFMono-Regular"/>
-              </a:rPr>
-              <a:t>: </a:t>
-            </a:r>
-            <a:r>
-              <a:rPr lang="ru-RU" b="1" i="1" dirty="0" err="1">
-                <a:solidFill>
-                  <a:srgbClr val="EB5757"/>
-                </a:solidFill>
-                <a:effectLst/>
-                <a:latin typeface="SFMono-Regular"/>
-              </a:rPr>
-              <a:t>black</a:t>
-            </a:r>
-            <a:r>
-              <a:rPr lang="ru-RU" b="1" i="1" dirty="0">
-                <a:solidFill>
-                  <a:srgbClr val="EB5757"/>
-                </a:solidFill>
-                <a:effectLst/>
-                <a:latin typeface="SFMono-Regular"/>
-              </a:rPr>
-              <a:t>;</a:t>
-            </a:r>
-            <a:r>
-              <a:rPr lang="ru-RU" b="1" dirty="0">
-                <a:solidFill>
-                  <a:srgbClr val="EB5757"/>
-                </a:solidFill>
-                <a:effectLst/>
-                <a:latin typeface="SFMono-Regular"/>
-              </a:rPr>
-              <a:t> </a:t>
-            </a:r>
-          </a:p>
-          <a:p>
-            <a:r>
-              <a:rPr lang="ru-RU" dirty="0"/>
-              <a:t>доступны через функцию </a:t>
-            </a:r>
-            <a:r>
-              <a:rPr lang="ru-RU" dirty="0" err="1">
-                <a:effectLst/>
-              </a:rPr>
-              <a:t>var</a:t>
-            </a:r>
-            <a:r>
-              <a:rPr lang="ru-RU" dirty="0">
-                <a:effectLst/>
-              </a:rPr>
-              <a:t>()</a:t>
-            </a:r>
-            <a:r>
-              <a:rPr lang="ru-RU" dirty="0"/>
-              <a:t> (например. </a:t>
-            </a:r>
-            <a:r>
-              <a:rPr lang="ru-RU" i="1" dirty="0" err="1">
-                <a:solidFill>
-                  <a:srgbClr val="EB5757"/>
-                </a:solidFill>
-                <a:effectLst/>
-                <a:latin typeface="SFMono-Regular"/>
-              </a:rPr>
-              <a:t>color</a:t>
-            </a:r>
-            <a:r>
-              <a:rPr lang="ru-RU" i="1" dirty="0">
-                <a:solidFill>
-                  <a:srgbClr val="EB5757"/>
-                </a:solidFill>
-                <a:effectLst/>
-                <a:latin typeface="SFMono-Regular"/>
-              </a:rPr>
-              <a:t>: </a:t>
-            </a:r>
-            <a:r>
-              <a:rPr lang="ru-RU" i="1" dirty="0" err="1">
-                <a:solidFill>
-                  <a:srgbClr val="EB5757"/>
-                </a:solidFill>
-                <a:effectLst/>
-                <a:latin typeface="SFMono-Regular"/>
-              </a:rPr>
-              <a:t>var</a:t>
-            </a:r>
-            <a:r>
-              <a:rPr lang="ru-RU" i="1" dirty="0">
-                <a:solidFill>
-                  <a:srgbClr val="EB5757"/>
-                </a:solidFill>
-                <a:effectLst/>
-                <a:latin typeface="SFMono-Regular"/>
-              </a:rPr>
-              <a:t>(--</a:t>
-            </a:r>
-            <a:r>
-              <a:rPr lang="ru-RU" i="1" dirty="0" err="1">
-                <a:solidFill>
-                  <a:srgbClr val="EB5757"/>
-                </a:solidFill>
-                <a:effectLst/>
-                <a:latin typeface="SFMono-Regular"/>
-              </a:rPr>
-              <a:t>main-color</a:t>
-            </a:r>
-            <a:r>
-              <a:rPr lang="ru-RU" i="1" dirty="0">
-                <a:solidFill>
-                  <a:srgbClr val="EB5757"/>
-                </a:solidFill>
-                <a:effectLst/>
-                <a:latin typeface="SFMono-Regular"/>
-              </a:rPr>
-              <a:t>);</a:t>
-            </a:r>
-            <a:r>
-              <a:rPr lang="ru-RU" dirty="0"/>
-              <a:t>) .</a:t>
-            </a:r>
-            <a:endParaRPr lang="en-US" dirty="0"/>
-          </a:p>
-        </p:txBody>
-      </p:sp>
-      <p:sp>
-        <p:nvSpPr>
-          <p:cNvPr id="8" name="Title 1">
+              <a:t> — это относительно новая возможность CSS, которая позволяет явно управлять порядком применения стилей, создавая слои каскада.</a:t>
+            </a:r>
+            <a:endParaRPr lang="en-US" dirty="0"/>
+          </a:p>
+        </p:txBody>
+      </p:sp>
+      <p:pic>
+        <p:nvPicPr>
+          <p:cNvPr id="18" name="Picture 17">
             <a:extLst>
               <a:ext uri="{FF2B5EF4-FFF2-40B4-BE49-F238E27FC236}">
-                <a16:creationId xmlns:a16="http://schemas.microsoft.com/office/drawing/2014/main" id="{9FBB247E-6B8F-44A1-B1D3-FB1B1F42B8CA}"/>
+                <a16:creationId xmlns:a16="http://schemas.microsoft.com/office/drawing/2014/main" id="{ED813BAB-8565-4C31-8DB8-1CF452AA6E76}"/>
               </a:ext>
             </a:extLst>
           </p:cNvPr>
-          <p:cNvSpPr>
-            <a:spLocks noGrp="1"/>
-          </p:cNvSpPr>
-          <p:nvPr>
-            <p:ph type="title"/>
-          </p:nvPr>
-        </p:nvSpPr>
-        <p:spPr>
-          <a:xfrm>
-            <a:off x="548874" y="185107"/>
-            <a:ext cx="10652526" cy="371739"/>
-          </a:xfrm>
-        </p:spPr>
-        <p:txBody>
-          <a:bodyPr>
-            <a:normAutofit fontScale="90000"/>
-          </a:bodyPr>
-          <a:lstStyle/>
-          <a:p>
-            <a:r>
-              <a:rPr lang="en-US" dirty="0" err="1"/>
-              <a:t>Css</a:t>
-            </a:r>
-            <a:r>
-              <a:rPr lang="en-US" dirty="0"/>
-              <a:t> </a:t>
-            </a:r>
-            <a:r>
-              <a:rPr lang="ru-RU" dirty="0">
-                <a:effectLst/>
-              </a:rPr>
-              <a:t>переменные</a:t>
-            </a:r>
-            <a:endParaRPr lang="en-US" dirty="0"/>
-          </a:p>
-        </p:txBody>
-      </p:sp>
+          <p:cNvPicPr>
+            <a:picLocks noChangeAspect="1"/>
+          </p:cNvPicPr>
+          <p:nvPr/>
+        </p:nvPicPr>
+        <p:blipFill>
+          <a:blip r:embed="rId3"/>
+          <a:stretch>
+            <a:fillRect/>
+          </a:stretch>
+        </p:blipFill>
+        <p:spPr>
+          <a:xfrm>
+            <a:off x="1667182" y="4611530"/>
+            <a:ext cx="8267700" cy="1533525"/>
+          </a:xfrm>
+          <a:prstGeom prst="rect">
+            <a:avLst/>
+          </a:prstGeom>
+        </p:spPr>
+      </p:pic>
     </p:spTree>
     <p:extLst>
       <p:ext uri="{BB962C8B-B14F-4D97-AF65-F5344CB8AC3E}">
-        <p14:creationId xmlns:p14="http://schemas.microsoft.com/office/powerpoint/2010/main" val="3575320811"/>
+        <p14:creationId xmlns:p14="http://schemas.microsoft.com/office/powerpoint/2010/main" val="2882202111"/>
       </p:ext>
     </p:extLst>
   </p:cSld>
@@ -3893,6 +3735,258 @@
           <a:chExt cx="0" cy="0"/>
         </a:xfrm>
       </p:grpSpPr>
+      <p:pic>
+        <p:nvPicPr>
+          <p:cNvPr id="5" name="Content Placeholder 4">
+            <a:extLst>
+              <a:ext uri="{FF2B5EF4-FFF2-40B4-BE49-F238E27FC236}">
+                <a16:creationId xmlns:a16="http://schemas.microsoft.com/office/drawing/2014/main" id="{C1130509-CA5B-451C-A894-3C5207CBA23B}"/>
+              </a:ext>
+            </a:extLst>
+          </p:cNvPr>
+          <p:cNvPicPr>
+            <a:picLocks noGrp="1" noChangeAspect="1"/>
+          </p:cNvPicPr>
+          <p:nvPr>
+            <p:ph idx="1"/>
+          </p:nvPr>
+        </p:nvPicPr>
+        <p:blipFill>
+          <a:blip r:embed="rId2"/>
+          <a:stretch>
+            <a:fillRect/>
+          </a:stretch>
+        </p:blipFill>
+        <p:spPr>
+          <a:xfrm>
+            <a:off x="1961827" y="2713893"/>
+            <a:ext cx="7234927" cy="3101975"/>
+          </a:xfrm>
+        </p:spPr>
+      </p:pic>
+      <p:sp>
+        <p:nvSpPr>
+          <p:cNvPr id="7" name="TextBox 6">
+            <a:extLst>
+              <a:ext uri="{FF2B5EF4-FFF2-40B4-BE49-F238E27FC236}">
+                <a16:creationId xmlns:a16="http://schemas.microsoft.com/office/drawing/2014/main" id="{6BC519D2-E02C-4912-AA98-84E09936D306}"/>
+              </a:ext>
+            </a:extLst>
+          </p:cNvPr>
+          <p:cNvSpPr txBox="1"/>
+          <p:nvPr/>
+        </p:nvSpPr>
+        <p:spPr>
+          <a:xfrm>
+            <a:off x="559776" y="895594"/>
+            <a:ext cx="11072447" cy="1477328"/>
+          </a:xfrm>
+          <a:prstGeom prst="rect">
+            <a:avLst/>
+          </a:prstGeom>
+          <a:noFill/>
+        </p:spPr>
+        <p:txBody>
+          <a:bodyPr wrap="square">
+            <a:spAutoFit/>
+          </a:bodyPr>
+          <a:lstStyle/>
+          <a:p>
+            <a:r>
+              <a:rPr lang="ru-RU" b="1" dirty="0">
+                <a:effectLst/>
+              </a:rPr>
+              <a:t>CSS переменные</a:t>
+            </a:r>
+            <a:r>
+              <a:rPr lang="ru-RU" dirty="0"/>
+              <a:t> (</a:t>
+            </a:r>
+            <a:r>
+              <a:rPr lang="ru-RU" b="1" dirty="0">
+                <a:effectLst/>
+              </a:rPr>
+              <a:t>пользовательские CSS-свойства</a:t>
+            </a:r>
+            <a:r>
+              <a:rPr lang="ru-RU" dirty="0"/>
+              <a:t>) это сущности, определяемые автором CSS, хранящие конкретные значения, которые можно повторно использовать в документе.</a:t>
+            </a:r>
+          </a:p>
+          <a:p>
+            <a:endParaRPr lang="ru-RU" dirty="0"/>
+          </a:p>
+          <a:p>
+            <a:r>
+              <a:rPr lang="ru-RU" dirty="0"/>
+              <a:t>Они устанавливаются с использованием </a:t>
+            </a:r>
+            <a:r>
+              <a:rPr lang="ru-RU" dirty="0" err="1"/>
+              <a:t>custom</a:t>
+            </a:r>
+            <a:r>
+              <a:rPr lang="ru-RU" dirty="0"/>
+              <a:t> </a:t>
+            </a:r>
+            <a:r>
+              <a:rPr lang="ru-RU" dirty="0" err="1"/>
+              <a:t>property</a:t>
+            </a:r>
+            <a:r>
+              <a:rPr lang="ru-RU" dirty="0"/>
+              <a:t> нотации: например. </a:t>
+            </a:r>
+            <a:r>
+              <a:rPr lang="ru-RU" b="1" i="1" dirty="0">
+                <a:solidFill>
+                  <a:srgbClr val="EB5757"/>
+                </a:solidFill>
+                <a:effectLst/>
+                <a:latin typeface="SFMono-Regular"/>
+              </a:rPr>
+              <a:t>--</a:t>
+            </a:r>
+            <a:r>
+              <a:rPr lang="ru-RU" b="1" i="1" dirty="0" err="1">
+                <a:solidFill>
+                  <a:srgbClr val="EB5757"/>
+                </a:solidFill>
+                <a:effectLst/>
+                <a:latin typeface="SFMono-Regular"/>
+              </a:rPr>
+              <a:t>main-color</a:t>
+            </a:r>
+            <a:r>
+              <a:rPr lang="ru-RU" b="1" i="1" dirty="0">
+                <a:solidFill>
+                  <a:srgbClr val="EB5757"/>
+                </a:solidFill>
+                <a:effectLst/>
+                <a:latin typeface="SFMono-Regular"/>
+              </a:rPr>
+              <a:t>: </a:t>
+            </a:r>
+            <a:r>
+              <a:rPr lang="ru-RU" b="1" i="1" dirty="0" err="1">
+                <a:solidFill>
+                  <a:srgbClr val="EB5757"/>
+                </a:solidFill>
+                <a:effectLst/>
+                <a:latin typeface="SFMono-Regular"/>
+              </a:rPr>
+              <a:t>black</a:t>
+            </a:r>
+            <a:r>
+              <a:rPr lang="ru-RU" b="1" i="1" dirty="0">
+                <a:solidFill>
+                  <a:srgbClr val="EB5757"/>
+                </a:solidFill>
+                <a:effectLst/>
+                <a:latin typeface="SFMono-Regular"/>
+              </a:rPr>
+              <a:t>;</a:t>
+            </a:r>
+            <a:r>
+              <a:rPr lang="ru-RU" b="1" dirty="0">
+                <a:solidFill>
+                  <a:srgbClr val="EB5757"/>
+                </a:solidFill>
+                <a:effectLst/>
+                <a:latin typeface="SFMono-Regular"/>
+              </a:rPr>
+              <a:t> </a:t>
+            </a:r>
+          </a:p>
+          <a:p>
+            <a:r>
+              <a:rPr lang="ru-RU" dirty="0"/>
+              <a:t>доступны через функцию </a:t>
+            </a:r>
+            <a:r>
+              <a:rPr lang="ru-RU" dirty="0" err="1">
+                <a:effectLst/>
+              </a:rPr>
+              <a:t>var</a:t>
+            </a:r>
+            <a:r>
+              <a:rPr lang="ru-RU" dirty="0">
+                <a:effectLst/>
+              </a:rPr>
+              <a:t>()</a:t>
+            </a:r>
+            <a:r>
+              <a:rPr lang="ru-RU" dirty="0"/>
+              <a:t> (например. </a:t>
+            </a:r>
+            <a:r>
+              <a:rPr lang="ru-RU" i="1" dirty="0" err="1">
+                <a:solidFill>
+                  <a:srgbClr val="EB5757"/>
+                </a:solidFill>
+                <a:effectLst/>
+                <a:latin typeface="SFMono-Regular"/>
+              </a:rPr>
+              <a:t>color</a:t>
+            </a:r>
+            <a:r>
+              <a:rPr lang="ru-RU" i="1" dirty="0">
+                <a:solidFill>
+                  <a:srgbClr val="EB5757"/>
+                </a:solidFill>
+                <a:effectLst/>
+                <a:latin typeface="SFMono-Regular"/>
+              </a:rPr>
+              <a:t>: </a:t>
+            </a:r>
+            <a:r>
+              <a:rPr lang="ru-RU" i="1" dirty="0" err="1">
+                <a:solidFill>
+                  <a:srgbClr val="EB5757"/>
+                </a:solidFill>
+                <a:effectLst/>
+                <a:latin typeface="SFMono-Regular"/>
+              </a:rPr>
+              <a:t>var</a:t>
+            </a:r>
+            <a:r>
+              <a:rPr lang="ru-RU" i="1" dirty="0">
+                <a:solidFill>
+                  <a:srgbClr val="EB5757"/>
+                </a:solidFill>
+                <a:effectLst/>
+                <a:latin typeface="SFMono-Regular"/>
+              </a:rPr>
+              <a:t>(--</a:t>
+            </a:r>
+            <a:r>
+              <a:rPr lang="ru-RU" i="1" dirty="0" err="1">
+                <a:solidFill>
+                  <a:srgbClr val="EB5757"/>
+                </a:solidFill>
+                <a:effectLst/>
+                <a:latin typeface="SFMono-Regular"/>
+              </a:rPr>
+              <a:t>main-color</a:t>
+            </a:r>
+            <a:r>
+              <a:rPr lang="ru-RU" i="1" dirty="0">
+                <a:solidFill>
+                  <a:srgbClr val="EB5757"/>
+                </a:solidFill>
+                <a:effectLst/>
+                <a:latin typeface="SFMono-Regular"/>
+              </a:rPr>
+              <a:t>);</a:t>
+            </a:r>
+            <a:r>
+              <a:rPr lang="ru-RU" dirty="0"/>
+              <a:t>) .</a:t>
+            </a:r>
+            <a:endParaRPr lang="en-US" dirty="0"/>
+          </a:p>
+        </p:txBody>
+      </p:sp>
       <p:sp>
         <p:nvSpPr>
           <p:cNvPr id="8" name="Title 1">
@@ -3939,40 +4033,10 @@
           </a:p>
         </p:txBody>
       </p:sp>
-      <p:pic>
-        <p:nvPicPr>
-          <p:cNvPr id="4" name="Picture 3">
-            <a:extLst>
-              <a:ext uri="{FF2B5EF4-FFF2-40B4-BE49-F238E27FC236}">
-                <a16:creationId xmlns:a16="http://schemas.microsoft.com/office/drawing/2014/main" id="{609D1A69-9A6C-46DC-8AE8-B11D9DCF9522}"/>
-              </a:ext>
-            </a:extLst>
-          </p:cNvPr>
-          <p:cNvPicPr>
-            <a:picLocks noChangeAspect="1"/>
-          </p:cNvPicPr>
-          <p:nvPr/>
-        </p:nvPicPr>
-        <p:blipFill>
-          <a:blip r:embed="rId2"/>
-          <a:stretch>
-            <a:fillRect/>
-          </a:stretch>
-        </p:blipFill>
-        <p:spPr>
-          <a:xfrm>
-            <a:off x="4126442" y="690229"/>
-            <a:ext cx="3815292" cy="5982664"/>
-          </a:xfrm>
-          <a:prstGeom prst="rect">
-            <a:avLst/>
-          </a:prstGeom>
-        </p:spPr>
-      </p:pic>
     </p:spTree>
     <p:extLst>
       <p:ext uri="{BB962C8B-B14F-4D97-AF65-F5344CB8AC3E}">
-        <p14:creationId xmlns:p14="http://schemas.microsoft.com/office/powerpoint/2010/main" val="4153552686"/>
+        <p14:creationId xmlns:p14="http://schemas.microsoft.com/office/powerpoint/2010/main" val="3575320811"/>
       </p:ext>
     </p:extLst>
   </p:cSld>
@@ -4047,6 +4111,112 @@
       </p:sp>
       <p:pic>
         <p:nvPicPr>
+          <p:cNvPr id="4" name="Picture 3">
+            <a:extLst>
+              <a:ext uri="{FF2B5EF4-FFF2-40B4-BE49-F238E27FC236}">
+                <a16:creationId xmlns:a16="http://schemas.microsoft.com/office/drawing/2014/main" id="{609D1A69-9A6C-46DC-8AE8-B11D9DCF9522}"/>
+              </a:ext>
+            </a:extLst>
+          </p:cNvPr>
+          <p:cNvPicPr>
+            <a:picLocks noChangeAspect="1"/>
+          </p:cNvPicPr>
+          <p:nvPr/>
+        </p:nvPicPr>
+        <p:blipFill>
+          <a:blip r:embed="rId2"/>
+          <a:stretch>
+            <a:fillRect/>
+          </a:stretch>
+        </p:blipFill>
+        <p:spPr>
+          <a:xfrm>
+            <a:off x="4126442" y="690229"/>
+            <a:ext cx="3815292" cy="5982664"/>
+          </a:xfrm>
+          <a:prstGeom prst="rect">
+            <a:avLst/>
+          </a:prstGeom>
+        </p:spPr>
+      </p:pic>
+    </p:spTree>
+    <p:extLst>
+      <p:ext uri="{BB962C8B-B14F-4D97-AF65-F5344CB8AC3E}">
+        <p14:creationId xmlns:p14="http://schemas.microsoft.com/office/powerpoint/2010/main" val="4153552686"/>
+      </p:ext>
+    </p:extLst>
+  </p:cSld>
+  <p:clrMapOvr>
+    <a:masterClrMapping/>
+  </p:clrMapOvr>
+</p:sld>
+</file>
+
+<file path=ppt/slides/slide14.xml><?xml version="1.0" encoding="utf-8"?>
+<p:sld xmlns:a="http://schemas.openxmlformats.org/drawingml/2006/main" xmlns:r="http://schemas.openxmlformats.org/officeDocument/2006/relationships" xmlns:p="http://schemas.openxmlformats.org/presentationml/2006/main">
+  <p:cSld>
+    <p:spTree>
+      <p:nvGrpSpPr>
+        <p:cNvPr id="1" name=""/>
+        <p:cNvGrpSpPr/>
+        <p:nvPr/>
+      </p:nvGrpSpPr>
+      <p:grpSpPr>
+        <a:xfrm>
+          <a:off x="0" y="0"/>
+          <a:ext cx="0" cy="0"/>
+          <a:chOff x="0" y="0"/>
+          <a:chExt cx="0" cy="0"/>
+        </a:xfrm>
+      </p:grpSpPr>
+      <p:sp>
+        <p:nvSpPr>
+          <p:cNvPr id="8" name="Title 1">
+            <a:extLst>
+              <a:ext uri="{FF2B5EF4-FFF2-40B4-BE49-F238E27FC236}">
+                <a16:creationId xmlns:a16="http://schemas.microsoft.com/office/drawing/2014/main" id="{9FBB247E-6B8F-44A1-B1D3-FB1B1F42B8CA}"/>
+              </a:ext>
+            </a:extLst>
+          </p:cNvPr>
+          <p:cNvSpPr>
+            <a:spLocks noGrp="1"/>
+          </p:cNvSpPr>
+          <p:nvPr>
+            <p:ph type="title"/>
+          </p:nvPr>
+        </p:nvSpPr>
+        <p:spPr>
+          <a:xfrm>
+            <a:off x="548874" y="185107"/>
+            <a:ext cx="10652526" cy="371739"/>
+          </a:xfrm>
+        </p:spPr>
+        <p:txBody>
+          <a:bodyPr>
+            <a:normAutofit fontScale="90000"/>
+          </a:bodyPr>
+          <a:lstStyle/>
+          <a:p>
+            <a:r>
+              <a:rPr lang="en-US" dirty="0" err="1"/>
+              <a:t>Css</a:t>
+            </a:r>
+            <a:r>
+              <a:rPr lang="en-US" dirty="0"/>
+              <a:t> </a:t>
+            </a:r>
+            <a:r>
+              <a:rPr lang="ru-RU" dirty="0">
+                <a:effectLst/>
+              </a:rPr>
+              <a:t>переменные</a:t>
+            </a:r>
+            <a:endParaRPr lang="en-US" dirty="0"/>
+          </a:p>
+        </p:txBody>
+      </p:sp>
+      <p:pic>
+        <p:nvPicPr>
           <p:cNvPr id="12" name="Picture 11">
             <a:extLst>
               <a:ext uri="{FF2B5EF4-FFF2-40B4-BE49-F238E27FC236}">
@@ -4088,7 +4258,404 @@
 </p:sld>
 </file>
 
-<file path=ppt/slides/slide14.xml><?xml version="1.0" encoding="utf-8"?>
+<file path=ppt/slides/slide15.xml><?xml version="1.0" encoding="utf-8"?>
+<p:sld xmlns:a="http://schemas.openxmlformats.org/drawingml/2006/main" xmlns:r="http://schemas.openxmlformats.org/officeDocument/2006/relationships" xmlns:p="http://schemas.openxmlformats.org/presentationml/2006/main">
+  <p:cSld>
+    <p:spTree>
+      <p:nvGrpSpPr>
+        <p:cNvPr id="1" name=""/>
+        <p:cNvGrpSpPr/>
+        <p:nvPr/>
+      </p:nvGrpSpPr>
+      <p:grpSpPr>
+        <a:xfrm>
+          <a:off x="0" y="0"/>
+          <a:ext cx="0" cy="0"/>
+          <a:chOff x="0" y="0"/>
+          <a:chExt cx="0" cy="0"/>
+        </a:xfrm>
+      </p:grpSpPr>
+      <p:sp>
+        <p:nvSpPr>
+          <p:cNvPr id="8" name="Title 1">
+            <a:extLst>
+              <a:ext uri="{FF2B5EF4-FFF2-40B4-BE49-F238E27FC236}">
+                <a16:creationId xmlns:a16="http://schemas.microsoft.com/office/drawing/2014/main" id="{9FBB247E-6B8F-44A1-B1D3-FB1B1F42B8CA}"/>
+              </a:ext>
+            </a:extLst>
+          </p:cNvPr>
+          <p:cNvSpPr>
+            <a:spLocks noGrp="1"/>
+          </p:cNvSpPr>
+          <p:nvPr>
+            <p:ph type="title"/>
+          </p:nvPr>
+        </p:nvSpPr>
+        <p:spPr>
+          <a:xfrm>
+            <a:off x="548874" y="185107"/>
+            <a:ext cx="10652526" cy="371739"/>
+          </a:xfrm>
+        </p:spPr>
+        <p:txBody>
+          <a:bodyPr>
+            <a:normAutofit fontScale="90000"/>
+          </a:bodyPr>
+          <a:lstStyle/>
+          <a:p>
+            <a:r>
+              <a:rPr lang="en-US" dirty="0" err="1"/>
+              <a:t>Css</a:t>
+            </a:r>
+            <a:r>
+              <a:rPr lang="en-US" dirty="0"/>
+              <a:t> variables vs </a:t>
+            </a:r>
+            <a:r>
+              <a:rPr lang="en-US" dirty="0" err="1"/>
+              <a:t>Scss</a:t>
+            </a:r>
+            <a:r>
+              <a:rPr lang="en-US" dirty="0"/>
+              <a:t> variables</a:t>
+            </a:r>
+          </a:p>
+        </p:txBody>
+      </p:sp>
+      <p:sp>
+        <p:nvSpPr>
+          <p:cNvPr id="5" name="TextBox 4">
+            <a:extLst>
+              <a:ext uri="{FF2B5EF4-FFF2-40B4-BE49-F238E27FC236}">
+                <a16:creationId xmlns:a16="http://schemas.microsoft.com/office/drawing/2014/main" id="{E68A605A-6AE9-4E70-B3C1-D1034B63FF58}"/>
+              </a:ext>
+            </a:extLst>
+          </p:cNvPr>
+          <p:cNvSpPr txBox="1"/>
+          <p:nvPr/>
+        </p:nvSpPr>
+        <p:spPr>
+          <a:xfrm>
+            <a:off x="548874" y="932934"/>
+            <a:ext cx="4048526" cy="369332"/>
+          </a:xfrm>
+          <a:prstGeom prst="rect">
+            <a:avLst/>
+          </a:prstGeom>
+          <a:noFill/>
+        </p:spPr>
+        <p:txBody>
+          <a:bodyPr wrap="square">
+            <a:spAutoFit/>
+          </a:bodyPr>
+          <a:lstStyle/>
+          <a:p>
+            <a:r>
+              <a:rPr lang="en-US" dirty="0"/>
+              <a:t>❌ CSS </a:t>
+            </a:r>
+            <a:r>
+              <a:rPr lang="ru-RU" dirty="0"/>
+              <a:t>переменные в медиа-запросах</a:t>
+            </a:r>
+            <a:endParaRPr lang="en-US" dirty="0"/>
+          </a:p>
+        </p:txBody>
+      </p:sp>
+      <p:sp>
+        <p:nvSpPr>
+          <p:cNvPr id="7" name="TextBox 6">
+            <a:extLst>
+              <a:ext uri="{FF2B5EF4-FFF2-40B4-BE49-F238E27FC236}">
+                <a16:creationId xmlns:a16="http://schemas.microsoft.com/office/drawing/2014/main" id="{4908BE26-8EF2-4D3F-9F84-9FB284327381}"/>
+              </a:ext>
+            </a:extLst>
+          </p:cNvPr>
+          <p:cNvSpPr txBox="1"/>
+          <p:nvPr/>
+        </p:nvSpPr>
+        <p:spPr>
+          <a:xfrm>
+            <a:off x="548874" y="1678354"/>
+            <a:ext cx="4691993" cy="2862322"/>
+          </a:xfrm>
+          <a:prstGeom prst="rect">
+            <a:avLst/>
+          </a:prstGeom>
+        </p:spPr>
+        <p:style>
+          <a:lnRef idx="1">
+            <a:schemeClr val="accent6"/>
+          </a:lnRef>
+          <a:fillRef idx="2">
+            <a:schemeClr val="accent6"/>
+          </a:fillRef>
+          <a:effectRef idx="1">
+            <a:schemeClr val="accent6"/>
+          </a:effectRef>
+          <a:fontRef idx="minor">
+            <a:schemeClr val="dk1"/>
+          </a:fontRef>
+        </p:style>
+        <p:txBody>
+          <a:bodyPr wrap="square">
+            <a:spAutoFit/>
+          </a:bodyPr>
+          <a:lstStyle/>
+          <a:p>
+            <a:r>
+              <a:rPr lang="en-US" i="1" dirty="0"/>
+              <a:t>:root {</a:t>
+            </a:r>
+          </a:p>
+          <a:p>
+            <a:r>
+              <a:rPr lang="en-US" i="1" dirty="0"/>
+              <a:t>  --mobile-breakpoint: 768px;</a:t>
+            </a:r>
+          </a:p>
+          <a:p>
+            <a:r>
+              <a:rPr lang="en-US" i="1" dirty="0"/>
+              <a:t>}</a:t>
+            </a:r>
+          </a:p>
+          <a:p>
+            <a:endParaRPr lang="en-US" dirty="0"/>
+          </a:p>
+          <a:p>
+            <a:r>
+              <a:rPr lang="en-US" dirty="0"/>
+              <a:t>/* ❌ </a:t>
+            </a:r>
+            <a:r>
+              <a:rPr lang="en-US" dirty="0" err="1"/>
+              <a:t>Так</a:t>
+            </a:r>
+            <a:r>
+              <a:rPr lang="en-US" dirty="0"/>
+              <a:t> НЕ </a:t>
+            </a:r>
+            <a:r>
+              <a:rPr lang="en-US" dirty="0" err="1"/>
+              <a:t>работает</a:t>
+            </a:r>
+            <a:r>
+              <a:rPr lang="en-US" dirty="0"/>
+              <a:t>! */</a:t>
+            </a:r>
+          </a:p>
+          <a:p>
+            <a:r>
+              <a:rPr lang="en-US" i="1" dirty="0"/>
+              <a:t>@media (max-width: var</a:t>
+            </a:r>
+            <a:r>
+              <a:rPr lang="en-US" b="1" i="1" dirty="0"/>
+              <a:t>(--mobile-breakpoint</a:t>
+            </a:r>
+            <a:r>
+              <a:rPr lang="en-US" i="1" dirty="0"/>
+              <a:t>)) {</a:t>
+            </a:r>
+          </a:p>
+          <a:p>
+            <a:r>
+              <a:rPr lang="en-US" i="1" dirty="0"/>
+              <a:t>  .container {</a:t>
+            </a:r>
+          </a:p>
+          <a:p>
+            <a:r>
+              <a:rPr lang="en-US" i="1" dirty="0"/>
+              <a:t>    padding: 10px;</a:t>
+            </a:r>
+          </a:p>
+          <a:p>
+            <a:r>
+              <a:rPr lang="en-US" i="1" dirty="0"/>
+              <a:t>  }</a:t>
+            </a:r>
+          </a:p>
+          <a:p>
+            <a:r>
+              <a:rPr lang="en-US" i="1" dirty="0"/>
+              <a:t>}</a:t>
+            </a:r>
+          </a:p>
+        </p:txBody>
+      </p:sp>
+      <p:sp>
+        <p:nvSpPr>
+          <p:cNvPr id="11" name="TextBox 10">
+            <a:extLst>
+              <a:ext uri="{FF2B5EF4-FFF2-40B4-BE49-F238E27FC236}">
+                <a16:creationId xmlns:a16="http://schemas.microsoft.com/office/drawing/2014/main" id="{16BFA854-360B-4447-8D01-A325A73494D8}"/>
+              </a:ext>
+            </a:extLst>
+          </p:cNvPr>
+          <p:cNvSpPr txBox="1"/>
+          <p:nvPr/>
+        </p:nvSpPr>
+        <p:spPr>
+          <a:xfrm>
+            <a:off x="6096000" y="932934"/>
+            <a:ext cx="6096000" cy="369332"/>
+          </a:xfrm>
+          <a:prstGeom prst="rect">
+            <a:avLst/>
+          </a:prstGeom>
+          <a:noFill/>
+        </p:spPr>
+        <p:txBody>
+          <a:bodyPr wrap="square">
+            <a:spAutoFit/>
+          </a:bodyPr>
+          <a:lstStyle/>
+          <a:p>
+            <a:r>
+              <a:rPr lang="en-US" dirty="0"/>
+              <a:t>✅ SCSS </a:t>
+            </a:r>
+            <a:r>
+              <a:rPr lang="ru-RU" dirty="0"/>
+              <a:t>переменные в медиа-запросах</a:t>
+            </a:r>
+            <a:endParaRPr lang="en-US" dirty="0"/>
+          </a:p>
+        </p:txBody>
+      </p:sp>
+      <p:sp>
+        <p:nvSpPr>
+          <p:cNvPr id="14" name="TextBox 13">
+            <a:extLst>
+              <a:ext uri="{FF2B5EF4-FFF2-40B4-BE49-F238E27FC236}">
+                <a16:creationId xmlns:a16="http://schemas.microsoft.com/office/drawing/2014/main" id="{604E87C6-2C60-4C76-ADCE-10A749CB6E14}"/>
+              </a:ext>
+            </a:extLst>
+          </p:cNvPr>
+          <p:cNvSpPr txBox="1"/>
+          <p:nvPr/>
+        </p:nvSpPr>
+        <p:spPr>
+          <a:xfrm>
+            <a:off x="6223000" y="1678353"/>
+            <a:ext cx="4978399" cy="2862322"/>
+          </a:xfrm>
+          <a:prstGeom prst="rect">
+            <a:avLst/>
+          </a:prstGeom>
+        </p:spPr>
+        <p:style>
+          <a:lnRef idx="1">
+            <a:schemeClr val="accent6"/>
+          </a:lnRef>
+          <a:fillRef idx="2">
+            <a:schemeClr val="accent6"/>
+          </a:fillRef>
+          <a:effectRef idx="1">
+            <a:schemeClr val="accent6"/>
+          </a:effectRef>
+          <a:fontRef idx="minor">
+            <a:schemeClr val="dk1"/>
+          </a:fontRef>
+        </p:style>
+        <p:txBody>
+          <a:bodyPr wrap="square">
+            <a:spAutoFit/>
+          </a:bodyPr>
+          <a:lstStyle/>
+          <a:p>
+            <a:r>
+              <a:rPr lang="en-US" i="1" dirty="0"/>
+              <a:t>$mobile-breakpoint: 768px;</a:t>
+            </a:r>
+          </a:p>
+          <a:p>
+            <a:endParaRPr lang="en-US" dirty="0"/>
+          </a:p>
+          <a:p>
+            <a:endParaRPr lang="en-US" dirty="0"/>
+          </a:p>
+          <a:p>
+            <a:endParaRPr lang="en-US" dirty="0"/>
+          </a:p>
+          <a:p>
+            <a:r>
+              <a:rPr lang="en-US" dirty="0"/>
+              <a:t>/* ✅ </a:t>
+            </a:r>
+            <a:r>
+              <a:rPr lang="en-US" dirty="0" err="1"/>
+              <a:t>Так</a:t>
+            </a:r>
+            <a:r>
+              <a:rPr lang="en-US" dirty="0"/>
+              <a:t> </a:t>
+            </a:r>
+            <a:r>
+              <a:rPr lang="en-US" dirty="0" err="1"/>
+              <a:t>работает</a:t>
+            </a:r>
+            <a:r>
+              <a:rPr lang="en-US" dirty="0"/>
+              <a:t>! */</a:t>
+            </a:r>
+          </a:p>
+          <a:p>
+            <a:r>
+              <a:rPr lang="en-US" i="1" dirty="0"/>
+              <a:t>@media (max-width: </a:t>
+            </a:r>
+            <a:r>
+              <a:rPr lang="en-US" b="1" i="1" dirty="0"/>
+              <a:t>$mobile-breakpoint</a:t>
+            </a:r>
+            <a:r>
+              <a:rPr lang="en-US" i="1" dirty="0"/>
+              <a:t>) {</a:t>
+            </a:r>
+          </a:p>
+          <a:p>
+            <a:r>
+              <a:rPr lang="en-US" i="1" dirty="0"/>
+              <a:t>  .container {</a:t>
+            </a:r>
+          </a:p>
+          <a:p>
+            <a:r>
+              <a:rPr lang="en-US" i="1" dirty="0"/>
+              <a:t>    padding: 10px;</a:t>
+            </a:r>
+          </a:p>
+          <a:p>
+            <a:r>
+              <a:rPr lang="en-US" i="1" dirty="0"/>
+              <a:t>  }</a:t>
+            </a:r>
+          </a:p>
+          <a:p>
+            <a:r>
+              <a:rPr lang="en-US" i="1" dirty="0"/>
+              <a:t>}</a:t>
+            </a:r>
+          </a:p>
+        </p:txBody>
+      </p:sp>
+    </p:spTree>
+    <p:extLst>
+      <p:ext uri="{BB962C8B-B14F-4D97-AF65-F5344CB8AC3E}">
+        <p14:creationId xmlns:p14="http://schemas.microsoft.com/office/powerpoint/2010/main" val="2195393300"/>
+      </p:ext>
+    </p:extLst>
+  </p:cSld>
+  <p:clrMapOvr>
+    <a:masterClrMapping/>
+  </p:clrMapOvr>
+</p:sld>
+</file>
+
+<file path=ppt/slides/slide16.xml><?xml version="1.0" encoding="utf-8"?>
 <p:sld xmlns:a="http://schemas.openxmlformats.org/drawingml/2006/main" xmlns:r="http://schemas.openxmlformats.org/officeDocument/2006/relationships" xmlns:p="http://schemas.openxmlformats.org/presentationml/2006/main">
   <p:cSld>
     <p:spTree>
@@ -4174,6 +4741,555 @@
     <p:extLst>
       <p:ext uri="{BB962C8B-B14F-4D97-AF65-F5344CB8AC3E}">
         <p14:creationId xmlns:p14="http://schemas.microsoft.com/office/powerpoint/2010/main" val="2748755492"/>
+      </p:ext>
+    </p:extLst>
+  </p:cSld>
+  <p:clrMapOvr>
+    <a:masterClrMapping/>
+  </p:clrMapOvr>
+</p:sld>
+</file>
+
+<file path=ppt/slides/slide17.xml><?xml version="1.0" encoding="utf-8"?>
+<p:sld xmlns:a="http://schemas.openxmlformats.org/drawingml/2006/main" xmlns:r="http://schemas.openxmlformats.org/officeDocument/2006/relationships" xmlns:p="http://schemas.openxmlformats.org/presentationml/2006/main">
+  <p:cSld>
+    <p:spTree>
+      <p:nvGrpSpPr>
+        <p:cNvPr id="1" name=""/>
+        <p:cNvGrpSpPr/>
+        <p:nvPr/>
+      </p:nvGrpSpPr>
+      <p:grpSpPr>
+        <a:xfrm>
+          <a:off x="0" y="0"/>
+          <a:ext cx="0" cy="0"/>
+          <a:chOff x="0" y="0"/>
+          <a:chExt cx="0" cy="0"/>
+        </a:xfrm>
+      </p:grpSpPr>
+      <p:sp>
+        <p:nvSpPr>
+          <p:cNvPr id="8" name="Title 1">
+            <a:extLst>
+              <a:ext uri="{FF2B5EF4-FFF2-40B4-BE49-F238E27FC236}">
+                <a16:creationId xmlns:a16="http://schemas.microsoft.com/office/drawing/2014/main" id="{9FBB247E-6B8F-44A1-B1D3-FB1B1F42B8CA}"/>
+              </a:ext>
+            </a:extLst>
+          </p:cNvPr>
+          <p:cNvSpPr>
+            <a:spLocks noGrp="1"/>
+          </p:cNvSpPr>
+          <p:nvPr>
+            <p:ph type="title"/>
+          </p:nvPr>
+        </p:nvSpPr>
+        <p:spPr>
+          <a:xfrm>
+            <a:off x="548874" y="185107"/>
+            <a:ext cx="10652526" cy="371739"/>
+          </a:xfrm>
+        </p:spPr>
+        <p:txBody>
+          <a:bodyPr>
+            <a:normAutofit fontScale="90000"/>
+          </a:bodyPr>
+          <a:lstStyle/>
+          <a:p>
+            <a:r>
+              <a:rPr lang="ru-RU" b="1" dirty="0">
+                <a:effectLst/>
+              </a:rPr>
+              <a:t>Современные решения проблемы совместимости</a:t>
+            </a:r>
+            <a:endParaRPr lang="en-US" dirty="0"/>
+          </a:p>
+        </p:txBody>
+      </p:sp>
+      <p:sp>
+        <p:nvSpPr>
+          <p:cNvPr id="5" name="TextBox 4">
+            <a:extLst>
+              <a:ext uri="{FF2B5EF4-FFF2-40B4-BE49-F238E27FC236}">
+                <a16:creationId xmlns:a16="http://schemas.microsoft.com/office/drawing/2014/main" id="{E68A605A-6AE9-4E70-B3C1-D1034B63FF58}"/>
+              </a:ext>
+            </a:extLst>
+          </p:cNvPr>
+          <p:cNvSpPr txBox="1"/>
+          <p:nvPr/>
+        </p:nvSpPr>
+        <p:spPr>
+          <a:xfrm>
+            <a:off x="4660491" y="556846"/>
+            <a:ext cx="1562510" cy="369332"/>
+          </a:xfrm>
+          <a:prstGeom prst="rect">
+            <a:avLst/>
+          </a:prstGeom>
+          <a:noFill/>
+        </p:spPr>
+        <p:txBody>
+          <a:bodyPr wrap="square">
+            <a:spAutoFit/>
+          </a:bodyPr>
+          <a:lstStyle/>
+          <a:p>
+            <a:r>
+              <a:rPr lang="en-US" b="1" dirty="0" err="1"/>
+              <a:t>Autoprefixer</a:t>
+            </a:r>
+            <a:endParaRPr lang="en-US" dirty="0"/>
+          </a:p>
+        </p:txBody>
+      </p:sp>
+      <p:sp>
+        <p:nvSpPr>
+          <p:cNvPr id="7" name="TextBox 6">
+            <a:extLst>
+              <a:ext uri="{FF2B5EF4-FFF2-40B4-BE49-F238E27FC236}">
+                <a16:creationId xmlns:a16="http://schemas.microsoft.com/office/drawing/2014/main" id="{4908BE26-8EF2-4D3F-9F84-9FB284327381}"/>
+              </a:ext>
+            </a:extLst>
+          </p:cNvPr>
+          <p:cNvSpPr txBox="1"/>
+          <p:nvPr/>
+        </p:nvSpPr>
+        <p:spPr>
+          <a:xfrm>
+            <a:off x="548874" y="1453908"/>
+            <a:ext cx="4691993" cy="923330"/>
+          </a:xfrm>
+          <a:prstGeom prst="rect">
+            <a:avLst/>
+          </a:prstGeom>
+        </p:spPr>
+        <p:style>
+          <a:lnRef idx="1">
+            <a:schemeClr val="accent6"/>
+          </a:lnRef>
+          <a:fillRef idx="2">
+            <a:schemeClr val="accent6"/>
+          </a:fillRef>
+          <a:effectRef idx="1">
+            <a:schemeClr val="accent6"/>
+          </a:effectRef>
+          <a:fontRef idx="minor">
+            <a:schemeClr val="dk1"/>
+          </a:fontRef>
+        </p:style>
+        <p:txBody>
+          <a:bodyPr wrap="square">
+            <a:spAutoFit/>
+          </a:bodyPr>
+          <a:lstStyle/>
+          <a:p>
+            <a:r>
+              <a:rPr lang="en-US" i="1" dirty="0"/>
+              <a:t>.container {</a:t>
+            </a:r>
+          </a:p>
+          <a:p>
+            <a:r>
+              <a:rPr lang="en-US" i="1" dirty="0"/>
+              <a:t>  display: flex;</a:t>
+            </a:r>
+          </a:p>
+          <a:p>
+            <a:r>
+              <a:rPr lang="en-US" i="1" dirty="0"/>
+              <a:t>}</a:t>
+            </a:r>
+          </a:p>
+        </p:txBody>
+      </p:sp>
+      <p:sp>
+        <p:nvSpPr>
+          <p:cNvPr id="14" name="TextBox 13">
+            <a:extLst>
+              <a:ext uri="{FF2B5EF4-FFF2-40B4-BE49-F238E27FC236}">
+                <a16:creationId xmlns:a16="http://schemas.microsoft.com/office/drawing/2014/main" id="{604E87C6-2C60-4C76-ADCE-10A749CB6E14}"/>
+              </a:ext>
+            </a:extLst>
+          </p:cNvPr>
+          <p:cNvSpPr txBox="1"/>
+          <p:nvPr/>
+        </p:nvSpPr>
+        <p:spPr>
+          <a:xfrm>
+            <a:off x="6411779" y="1176909"/>
+            <a:ext cx="4978399" cy="1477328"/>
+          </a:xfrm>
+          <a:prstGeom prst="rect">
+            <a:avLst/>
+          </a:prstGeom>
+        </p:spPr>
+        <p:style>
+          <a:lnRef idx="1">
+            <a:schemeClr val="accent6"/>
+          </a:lnRef>
+          <a:fillRef idx="2">
+            <a:schemeClr val="accent6"/>
+          </a:fillRef>
+          <a:effectRef idx="1">
+            <a:schemeClr val="accent6"/>
+          </a:effectRef>
+          <a:fontRef idx="minor">
+            <a:schemeClr val="dk1"/>
+          </a:fontRef>
+        </p:style>
+        <p:txBody>
+          <a:bodyPr wrap="square">
+            <a:spAutoFit/>
+          </a:bodyPr>
+          <a:lstStyle/>
+          <a:p>
+            <a:r>
+              <a:rPr lang="en-US" i="1" dirty="0"/>
+              <a:t>.container {</a:t>
+            </a:r>
+          </a:p>
+          <a:p>
+            <a:r>
+              <a:rPr lang="en-US" i="1" dirty="0"/>
+              <a:t>  display: </a:t>
+            </a:r>
+            <a:r>
+              <a:rPr lang="en-US" dirty="0"/>
+              <a:t>-</a:t>
+            </a:r>
+            <a:r>
+              <a:rPr lang="en-US" dirty="0" err="1"/>
+              <a:t>webkit</a:t>
+            </a:r>
+            <a:r>
+              <a:rPr lang="en-US" dirty="0"/>
+              <a:t>-box</a:t>
+            </a:r>
+            <a:r>
+              <a:rPr lang="en-US" i="1" dirty="0"/>
+              <a:t>;</a:t>
+            </a:r>
+            <a:endParaRPr lang="ru-RU" i="1" dirty="0"/>
+          </a:p>
+          <a:p>
+            <a:r>
+              <a:rPr lang="ru-RU" i="1" dirty="0"/>
+              <a:t> </a:t>
+            </a:r>
+            <a:r>
+              <a:rPr lang="en-US" i="1" dirty="0"/>
+              <a:t> display: </a:t>
+            </a:r>
+            <a:r>
+              <a:rPr lang="ru-RU" i="1" dirty="0"/>
+              <a:t>-</a:t>
+            </a:r>
+            <a:r>
+              <a:rPr lang="en-US" dirty="0" err="1"/>
+              <a:t>ms</a:t>
+            </a:r>
+            <a:r>
+              <a:rPr lang="en-US" dirty="0"/>
+              <a:t>-flexbox</a:t>
+            </a:r>
+            <a:r>
+              <a:rPr lang="en-US" i="1" dirty="0"/>
+              <a:t>;</a:t>
+            </a:r>
+            <a:endParaRPr lang="ru-RU" i="1" dirty="0"/>
+          </a:p>
+          <a:p>
+            <a:r>
+              <a:rPr lang="ru-RU" i="1" dirty="0"/>
+              <a:t> </a:t>
+            </a:r>
+            <a:r>
+              <a:rPr lang="en-US" i="1" dirty="0"/>
+              <a:t> display: flex;</a:t>
+            </a:r>
+          </a:p>
+          <a:p>
+            <a:r>
+              <a:rPr lang="en-US" i="1" dirty="0"/>
+              <a:t>}</a:t>
+            </a:r>
+          </a:p>
+        </p:txBody>
+      </p:sp>
+      <p:sp>
+        <p:nvSpPr>
+          <p:cNvPr id="10" name="TextBox 9">
+            <a:extLst>
+              <a:ext uri="{FF2B5EF4-FFF2-40B4-BE49-F238E27FC236}">
+                <a16:creationId xmlns:a16="http://schemas.microsoft.com/office/drawing/2014/main" id="{C5F3023F-6529-4CFB-A553-7F4576B6A2E0}"/>
+              </a:ext>
+            </a:extLst>
+          </p:cNvPr>
+          <p:cNvSpPr txBox="1"/>
+          <p:nvPr/>
+        </p:nvSpPr>
+        <p:spPr>
+          <a:xfrm>
+            <a:off x="2608832" y="780701"/>
+            <a:ext cx="546994" cy="369332"/>
+          </a:xfrm>
+          <a:prstGeom prst="rect">
+            <a:avLst/>
+          </a:prstGeom>
+          <a:noFill/>
+        </p:spPr>
+        <p:txBody>
+          <a:bodyPr wrap="square">
+            <a:spAutoFit/>
+          </a:bodyPr>
+          <a:lstStyle/>
+          <a:p>
+            <a:r>
+              <a:rPr lang="ru-RU" b="1" dirty="0"/>
+              <a:t>До</a:t>
+            </a:r>
+            <a:endParaRPr lang="en-US" dirty="0"/>
+          </a:p>
+        </p:txBody>
+      </p:sp>
+      <p:sp>
+        <p:nvSpPr>
+          <p:cNvPr id="12" name="TextBox 11">
+            <a:extLst>
+              <a:ext uri="{FF2B5EF4-FFF2-40B4-BE49-F238E27FC236}">
+                <a16:creationId xmlns:a16="http://schemas.microsoft.com/office/drawing/2014/main" id="{7E8CF19B-CB88-42F1-A1F7-55050F49FF47}"/>
+              </a:ext>
+            </a:extLst>
+          </p:cNvPr>
+          <p:cNvSpPr txBox="1"/>
+          <p:nvPr/>
+        </p:nvSpPr>
+        <p:spPr>
+          <a:xfrm>
+            <a:off x="8492285" y="748267"/>
+            <a:ext cx="817386" cy="369332"/>
+          </a:xfrm>
+          <a:prstGeom prst="rect">
+            <a:avLst/>
+          </a:prstGeom>
+          <a:noFill/>
+        </p:spPr>
+        <p:txBody>
+          <a:bodyPr wrap="square">
+            <a:spAutoFit/>
+          </a:bodyPr>
+          <a:lstStyle/>
+          <a:p>
+            <a:r>
+              <a:rPr lang="ru-RU" b="1" dirty="0"/>
+              <a:t>После</a:t>
+            </a:r>
+            <a:endParaRPr lang="en-US" dirty="0"/>
+          </a:p>
+        </p:txBody>
+      </p:sp>
+      <p:sp>
+        <p:nvSpPr>
+          <p:cNvPr id="13" name="TextBox 12">
+            <a:extLst>
+              <a:ext uri="{FF2B5EF4-FFF2-40B4-BE49-F238E27FC236}">
+                <a16:creationId xmlns:a16="http://schemas.microsoft.com/office/drawing/2014/main" id="{27F46E03-CDA7-46D1-A255-D9257306A03D}"/>
+              </a:ext>
+            </a:extLst>
+          </p:cNvPr>
+          <p:cNvSpPr txBox="1"/>
+          <p:nvPr/>
+        </p:nvSpPr>
+        <p:spPr>
+          <a:xfrm>
+            <a:off x="1893927" y="3903279"/>
+            <a:ext cx="6096982" cy="369332"/>
+          </a:xfrm>
+          <a:prstGeom prst="rect">
+            <a:avLst/>
+          </a:prstGeom>
+          <a:noFill/>
+        </p:spPr>
+        <p:txBody>
+          <a:bodyPr wrap="square">
+            <a:spAutoFit/>
+          </a:bodyPr>
+          <a:lstStyle/>
+          <a:p>
+            <a:r>
+              <a:rPr lang="en-US" dirty="0"/>
+              <a:t>.</a:t>
+            </a:r>
+            <a:r>
+              <a:rPr lang="en-US" dirty="0" err="1"/>
+              <a:t>browserslistrc</a:t>
+            </a:r>
+            <a:endParaRPr lang="en-US" dirty="0"/>
+          </a:p>
+        </p:txBody>
+      </p:sp>
+      <p:sp>
+        <p:nvSpPr>
+          <p:cNvPr id="16" name="TextBox 15">
+            <a:extLst>
+              <a:ext uri="{FF2B5EF4-FFF2-40B4-BE49-F238E27FC236}">
+                <a16:creationId xmlns:a16="http://schemas.microsoft.com/office/drawing/2014/main" id="{47040C65-5E07-4602-A264-0C736B2CB95C}"/>
+              </a:ext>
+            </a:extLst>
+          </p:cNvPr>
+          <p:cNvSpPr txBox="1"/>
+          <p:nvPr/>
+        </p:nvSpPr>
+        <p:spPr>
+          <a:xfrm>
+            <a:off x="548874" y="4272611"/>
+            <a:ext cx="6595245" cy="1477328"/>
+          </a:xfrm>
+          <a:prstGeom prst="rect">
+            <a:avLst/>
+          </a:prstGeom>
+        </p:spPr>
+        <p:style>
+          <a:lnRef idx="1">
+            <a:schemeClr val="accent6"/>
+          </a:lnRef>
+          <a:fillRef idx="2">
+            <a:schemeClr val="accent6"/>
+          </a:fillRef>
+          <a:effectRef idx="1">
+            <a:schemeClr val="accent6"/>
+          </a:effectRef>
+          <a:fontRef idx="minor">
+            <a:schemeClr val="dk1"/>
+          </a:fontRef>
+        </p:style>
+        <p:txBody>
+          <a:bodyPr wrap="square">
+            <a:spAutoFit/>
+          </a:bodyPr>
+          <a:lstStyle/>
+          <a:p>
+            <a:r>
+              <a:rPr lang="ru-RU" i="1" dirty="0"/>
+              <a:t>"</a:t>
+            </a:r>
+            <a:r>
+              <a:rPr lang="ru-RU" i="1" dirty="0" err="1"/>
+              <a:t>browserslist</a:t>
+            </a:r>
+            <a:r>
+              <a:rPr lang="ru-RU" i="1" dirty="0"/>
+              <a:t>": [</a:t>
+            </a:r>
+          </a:p>
+          <a:p>
+            <a:r>
+              <a:rPr lang="ru-RU" i="1" dirty="0"/>
+              <a:t>  "</a:t>
+            </a:r>
+            <a:r>
+              <a:rPr lang="ru-RU" i="1" dirty="0" err="1"/>
+              <a:t>last</a:t>
+            </a:r>
+            <a:r>
+              <a:rPr lang="ru-RU" i="1" dirty="0"/>
+              <a:t> 2 </a:t>
+            </a:r>
+            <a:r>
+              <a:rPr lang="ru-RU" i="1" dirty="0" err="1"/>
+              <a:t>versions</a:t>
+            </a:r>
+            <a:r>
+              <a:rPr lang="ru-RU" i="1" dirty="0"/>
+              <a:t>",   // Последние 2 версии каждого браузера</a:t>
+            </a:r>
+          </a:p>
+          <a:p>
+            <a:r>
+              <a:rPr lang="ru-RU" i="1" dirty="0"/>
+              <a:t>  "&gt; 1%",                    // Браузеры с долей рынка больше 1%</a:t>
+            </a:r>
+          </a:p>
+          <a:p>
+            <a:r>
+              <a:rPr lang="ru-RU" i="1" dirty="0"/>
+              <a:t>  "</a:t>
+            </a:r>
+            <a:r>
+              <a:rPr lang="ru-RU" i="1" dirty="0" err="1"/>
+              <a:t>not</a:t>
+            </a:r>
+            <a:r>
+              <a:rPr lang="ru-RU" i="1" dirty="0"/>
+              <a:t> </a:t>
+            </a:r>
+            <a:r>
+              <a:rPr lang="ru-RU" i="1" dirty="0" err="1"/>
+              <a:t>dead</a:t>
+            </a:r>
+            <a:r>
+              <a:rPr lang="ru-RU" i="1" dirty="0"/>
+              <a:t>"            // Исключить "мёртвые" браузеры</a:t>
+            </a:r>
+          </a:p>
+          <a:p>
+            <a:r>
+              <a:rPr lang="ru-RU" i="1" dirty="0"/>
+              <a:t>]</a:t>
+            </a:r>
+            <a:endParaRPr lang="en-US" i="1" dirty="0"/>
+          </a:p>
+        </p:txBody>
+      </p:sp>
+      <p:sp>
+        <p:nvSpPr>
+          <p:cNvPr id="6" name="Arrow: Right 5">
+            <a:extLst>
+              <a:ext uri="{FF2B5EF4-FFF2-40B4-BE49-F238E27FC236}">
+                <a16:creationId xmlns:a16="http://schemas.microsoft.com/office/drawing/2014/main" id="{613F1328-9933-41B7-B2E6-0ADC5CCE9566}"/>
+              </a:ext>
+            </a:extLst>
+          </p:cNvPr>
+          <p:cNvSpPr/>
+          <p:nvPr/>
+        </p:nvSpPr>
+        <p:spPr>
+          <a:xfrm>
+            <a:off x="5385933" y="1658698"/>
+            <a:ext cx="978408" cy="484632"/>
+          </a:xfrm>
+          <a:prstGeom prst="rightArrow">
+            <a:avLst/>
+          </a:prstGeom>
+        </p:spPr>
+        <p:style>
+          <a:lnRef idx="2">
+            <a:schemeClr val="accent1">
+              <a:shade val="50000"/>
+            </a:schemeClr>
+          </a:lnRef>
+          <a:fillRef idx="1">
+            <a:schemeClr val="accent1"/>
+          </a:fillRef>
+          <a:effectRef idx="0">
+            <a:schemeClr val="accent1"/>
+          </a:effectRef>
+          <a:fontRef idx="minor">
+            <a:schemeClr val="lt1"/>
+          </a:fontRef>
+        </p:style>
+        <p:txBody>
+          <a:bodyPr rtlCol="0" anchor="ctr"/>
+          <a:lstStyle/>
+          <a:p>
+            <a:pPr algn="ctr"/>
+            <a:endParaRPr lang="en-US"/>
+          </a:p>
+        </p:txBody>
+      </p:sp>
+    </p:spTree>
+    <p:extLst>
+      <p:ext uri="{BB962C8B-B14F-4D97-AF65-F5344CB8AC3E}">
+        <p14:creationId xmlns:p14="http://schemas.microsoft.com/office/powerpoint/2010/main" val="3446013025"/>
       </p:ext>
     </p:extLst>
   </p:cSld>
